--- a/clonality_crash_course.pptx
+++ b/clonality_crash_course.pptx
@@ -109,6 +109,11 @@
       </a:defRPr>
     </a:lvl9pPr>
   </p:defaultTextStyle>
+  <p:extLst>
+    <p:ext uri="{EFAFB233-063F-42B5-8137-9DF3F51BA10A}">
+      <p15:sldGuideLst xmlns:p15="http://schemas.microsoft.com/office/powerpoint/2012/main"/>
+    </p:ext>
+  </p:extLst>
 </p:presentation>
 </file>
 
@@ -3771,11 +3776,17 @@
             </a:lvl9pPr>
           </a:lstStyle>
           <a:p>
-            <a:r>
-              <a:rPr lang="en-US"/>
-              <a:t>TCRseq overview</a:t>
-            </a:r>
-            <a:endParaRPr lang="en-US" dirty="0"/>
+            <a:pPr marL="0" indent="0">
+              <a:buNone/>
+            </a:pPr>
+            <a:r>
+              <a:rPr lang="en-US" dirty="0" err="1"/>
+              <a:t>TCRseq</a:t>
+            </a:r>
+            <a:r>
+              <a:rPr lang="en-US" dirty="0"/>
+              <a:t> overview</a:t>
+            </a:r>
           </a:p>
         </p:txBody>
       </p:sp>
@@ -4153,11 +4164,17 @@
             </a:lvl9pPr>
           </a:lstStyle>
           <a:p>
-            <a:r>
-              <a:rPr lang="en-US"/>
-              <a:t>TCRseq overview</a:t>
-            </a:r>
-            <a:endParaRPr lang="en-US" dirty="0"/>
+            <a:pPr marL="0" indent="0">
+              <a:buNone/>
+            </a:pPr>
+            <a:r>
+              <a:rPr lang="en-US" dirty="0" err="1"/>
+              <a:t>TCRseq</a:t>
+            </a:r>
+            <a:r>
+              <a:rPr lang="en-US" dirty="0"/>
+              <a:t> overview</a:t>
+            </a:r>
           </a:p>
         </p:txBody>
       </p:sp>
@@ -4624,11 +4641,13 @@
             </a:lvl9pPr>
           </a:lstStyle>
           <a:p>
-            <a:r>
-              <a:rPr lang="en-US"/>
+            <a:pPr marL="0" indent="0">
+              <a:buNone/>
+            </a:pPr>
+            <a:r>
+              <a:rPr lang="en-US" dirty="0"/>
               <a:t>Diversity metrics</a:t>
             </a:r>
-            <a:endParaRPr lang="en-US" dirty="0"/>
           </a:p>
         </p:txBody>
       </p:sp>
@@ -4887,6 +4906,9 @@
             </a:lvl9pPr>
           </a:lstStyle>
           <a:p>
+            <a:pPr marL="0" indent="0">
+              <a:buNone/>
+            </a:pPr>
             <a:r>
               <a:rPr lang="en-US" dirty="0"/>
               <a:t>Summary data</a:t>
@@ -5254,11 +5276,17 @@
             </a:lvl9pPr>
           </a:lstStyle>
           <a:p>
-            <a:r>
-              <a:rPr lang="en-US"/>
-              <a:t>TCRseq overview</a:t>
-            </a:r>
-            <a:endParaRPr lang="en-US" dirty="0"/>
+            <a:pPr marL="0" indent="0">
+              <a:buNone/>
+            </a:pPr>
+            <a:r>
+              <a:rPr lang="en-US" dirty="0" err="1"/>
+              <a:t>TCRseq</a:t>
+            </a:r>
+            <a:r>
+              <a:rPr lang="en-US" dirty="0"/>
+              <a:t> overview</a:t>
+            </a:r>
           </a:p>
         </p:txBody>
       </p:sp>

--- a/clonality_crash_course.pptx
+++ b/clonality_crash_course.pptx
@@ -4305,7 +4305,7 @@
               <a:buNone/>
             </a:pPr>
             <a:r>
-              <a:rPr lang="en-US" sz="1600" b="0" dirty="0"/>
+              <a:rPr lang="en-US" sz="3800" b="0" dirty="0"/>
               <a:t>Information theory – probability based</a:t>
             </a:r>
           </a:p>
@@ -4316,40 +4316,28 @@
             </a:r>
           </a:p>
           <a:p>
-            <a:pPr marL="285750" lvl="1" indent="-285750">
-              <a:buFont typeface="Arial" panose="020B0604020202020204" pitchFamily="34" charset="0"/>
-              <a:buChar char="•"/>
-            </a:pPr>
+            <a:pPr marL="742950" lvl="2" indent="-285750"/>
             <a:r>
               <a:rPr lang="en-US" dirty="0"/>
               <a:t>Summarizes: when pulling one random, individual TCR molecule, what is the probability of a second pull being in the same clonotype</a:t>
             </a:r>
           </a:p>
           <a:p>
-            <a:pPr marL="285750" lvl="1" indent="-285750">
-              <a:buFont typeface="Arial" panose="020B0604020202020204" pitchFamily="34" charset="0"/>
-              <a:buChar char="•"/>
-            </a:pPr>
+            <a:pPr marL="742950" lvl="2" indent="-285750"/>
             <a:r>
               <a:rPr lang="en-US" dirty="0"/>
               <a:t>Better at highlighting oligoclonal repertoires</a:t>
             </a:r>
           </a:p>
           <a:p>
-            <a:pPr marL="285750" lvl="1" indent="-285750">
-              <a:buFont typeface="Arial" panose="020B0604020202020204" pitchFamily="34" charset="0"/>
-              <a:buChar char="•"/>
-            </a:pPr>
+            <a:pPr marL="742950" lvl="2" indent="-285750"/>
             <a:r>
               <a:rPr lang="en-US" dirty="0"/>
               <a:t>Shannon entropy: starts at 0 (perfectly clonal) and increases with diversity</a:t>
             </a:r>
           </a:p>
           <a:p>
-            <a:pPr marL="285750" lvl="1" indent="-285750">
-              <a:buFont typeface="Arial" panose="020B0604020202020204" pitchFamily="34" charset="0"/>
-              <a:buChar char="•"/>
-            </a:pPr>
+            <a:pPr marL="742950" lvl="2" indent="-285750"/>
             <a:r>
               <a:rPr lang="en-US" dirty="0"/>
               <a:t>Shannon clonality: scaled from 0 (perfect diversity) to 1 (perfect clonality)</a:t>
@@ -4362,30 +4350,21 @@
             </a:r>
           </a:p>
           <a:p>
-            <a:pPr marL="285750" lvl="1" indent="-285750">
-              <a:buFont typeface="Arial" panose="020B0604020202020204" pitchFamily="34" charset="0"/>
-              <a:buChar char="•"/>
-            </a:pPr>
+            <a:pPr marL="742950" lvl="2" indent="-285750"/>
             <a:r>
               <a:rPr lang="en-US" dirty="0"/>
               <a:t>Summarizes: when pulling two random TCR molecules, what is the probability that they are the same clonotype</a:t>
             </a:r>
           </a:p>
           <a:p>
-            <a:pPr marL="285750" lvl="1" indent="-285750">
-              <a:buFont typeface="Arial" panose="020B0604020202020204" pitchFamily="34" charset="0"/>
-              <a:buChar char="•"/>
-            </a:pPr>
+            <a:pPr marL="742950" lvl="2" indent="-285750"/>
             <a:r>
               <a:rPr lang="en-US" dirty="0"/>
               <a:t>Better at highlighting clonal dominance</a:t>
             </a:r>
           </a:p>
           <a:p>
-            <a:pPr marL="285750" lvl="1" indent="-285750">
-              <a:buFont typeface="Arial" panose="020B0604020202020204" pitchFamily="34" charset="0"/>
-              <a:buChar char="•"/>
-            </a:pPr>
+            <a:pPr marL="742950" lvl="2" indent="-285750"/>
             <a:r>
               <a:rPr lang="en-US" dirty="0"/>
               <a:t>Simpson clonality: scaled from 0 (perfect diversity) to 1 (perfect clonality)</a:t>
@@ -4402,10 +4381,10 @@
               <a:buNone/>
             </a:pPr>
             <a:r>
-              <a:rPr lang="en-US" sz="1400" b="0" dirty="0"/>
+              <a:rPr lang="en-US" sz="3400" b="0" dirty="0"/>
               <a:t>Sample distribution – geometrically based</a:t>
             </a:r>
-            <a:endParaRPr lang="en-US" dirty="0"/>
+            <a:endParaRPr lang="en-US" sz="6900" dirty="0"/>
           </a:p>
           <a:p>
             <a:r>
@@ -4414,23 +4393,17 @@
             </a:r>
           </a:p>
           <a:p>
-            <a:pPr marL="285750" lvl="1" indent="-285750">
-              <a:buFont typeface="Arial" panose="020B0604020202020204" pitchFamily="34" charset="0"/>
-              <a:buChar char="•"/>
-            </a:pPr>
+            <a:pPr marL="742950" lvl="2" indent="-285750"/>
             <a:r>
               <a:rPr lang="en-US" dirty="0"/>
               <a:t>When ordered by rank dominance, the number of unique T cell clones that represent half of the total repertoire</a:t>
             </a:r>
           </a:p>
           <a:p>
-            <a:pPr marL="285750" lvl="1" indent="-285750">
-              <a:buFont typeface="Arial" panose="020B0604020202020204" pitchFamily="34" charset="0"/>
-              <a:buChar char="•"/>
-            </a:pPr>
+            <a:pPr marL="742950" lvl="2" indent="-285750"/>
             <a:r>
               <a:rPr lang="en-US" dirty="0"/>
-              <a:t>Reported as fraction of T cell richness required to occupy 50% of all TCR counts</a:t>
+              <a:t>Reported as percentage of T cell richness required to occupy 50% of TCR repertoire</a:t>
             </a:r>
           </a:p>
           <a:p>
@@ -4440,10 +4413,7 @@
             </a:r>
           </a:p>
           <a:p>
-            <a:pPr marL="285750" lvl="1" indent="-285750">
-              <a:buFont typeface="Arial" panose="020B0604020202020204" pitchFamily="34" charset="0"/>
-              <a:buChar char="•"/>
-            </a:pPr>
+            <a:pPr marL="742950" lvl="2" indent="-285750"/>
             <a:r>
               <a:rPr lang="en-US" dirty="0"/>
               <a:t>When plotted by rank dominance, the area above the curve</a:t>
